--- a/assets/overview.pptx
+++ b/assets/overview.pptx
@@ -5,7 +5,7 @@
     <p:sldMasterId id="2147483684" r:id="rId1"/>
   </p:sldMasterIdLst>
   <p:sldIdLst>
-    <p:sldId id="256" r:id="rId2"/>
+    <p:sldId id="258" r:id="rId2"/>
   </p:sldIdLst>
   <p:sldSz cx="22860000" cy="12801600"/>
   <p:notesSz cx="6858000" cy="9144000"/>
@@ -104,6 +104,11 @@
       </a:defRPr>
     </a:lvl9pPr>
   </p:defaultTextStyle>
+  <p:extLst>
+    <p:ext uri="{EFAFB233-063F-42B5-8137-9DF3F51BA10A}">
+      <p15:sldGuideLst xmlns:p15="http://schemas.microsoft.com/office/powerpoint/2012/main"/>
+    </p:ext>
+  </p:extLst>
 </p:presentation>
 </file>
 
@@ -238,7 +243,7 @@
           <a:p>
             <a:fld id="{AC6A4FEC-1FD3-4CE8-AA04-AC4B63EFA7BC}" type="datetimeFigureOut">
               <a:rPr lang="en-US" smtClean="0"/>
-              <a:t>2025-12-09</a:t>
+              <a:t>2025-12-17</a:t>
             </a:fld>
             <a:endParaRPr lang="en-US"/>
           </a:p>
@@ -408,7 +413,7 @@
           <a:p>
             <a:fld id="{AC6A4FEC-1FD3-4CE8-AA04-AC4B63EFA7BC}" type="datetimeFigureOut">
               <a:rPr lang="en-US" smtClean="0"/>
-              <a:t>2025-12-09</a:t>
+              <a:t>2025-12-17</a:t>
             </a:fld>
             <a:endParaRPr lang="en-US"/>
           </a:p>
@@ -588,7 +593,7 @@
           <a:p>
             <a:fld id="{AC6A4FEC-1FD3-4CE8-AA04-AC4B63EFA7BC}" type="datetimeFigureOut">
               <a:rPr lang="en-US" smtClean="0"/>
-              <a:t>2025-12-09</a:t>
+              <a:t>2025-12-17</a:t>
             </a:fld>
             <a:endParaRPr lang="en-US"/>
           </a:p>
@@ -758,7 +763,7 @@
           <a:p>
             <a:fld id="{AC6A4FEC-1FD3-4CE8-AA04-AC4B63EFA7BC}" type="datetimeFigureOut">
               <a:rPr lang="en-US" smtClean="0"/>
-              <a:t>2025-12-09</a:t>
+              <a:t>2025-12-17</a:t>
             </a:fld>
             <a:endParaRPr lang="en-US"/>
           </a:p>
@@ -1004,7 +1009,7 @@
           <a:p>
             <a:fld id="{AC6A4FEC-1FD3-4CE8-AA04-AC4B63EFA7BC}" type="datetimeFigureOut">
               <a:rPr lang="en-US" smtClean="0"/>
-              <a:t>2025-12-09</a:t>
+              <a:t>2025-12-17</a:t>
             </a:fld>
             <a:endParaRPr lang="en-US"/>
           </a:p>
@@ -1236,7 +1241,7 @@
           <a:p>
             <a:fld id="{AC6A4FEC-1FD3-4CE8-AA04-AC4B63EFA7BC}" type="datetimeFigureOut">
               <a:rPr lang="en-US" smtClean="0"/>
-              <a:t>2025-12-09</a:t>
+              <a:t>2025-12-17</a:t>
             </a:fld>
             <a:endParaRPr lang="en-US"/>
           </a:p>
@@ -1603,7 +1608,7 @@
           <a:p>
             <a:fld id="{AC6A4FEC-1FD3-4CE8-AA04-AC4B63EFA7BC}" type="datetimeFigureOut">
               <a:rPr lang="en-US" smtClean="0"/>
-              <a:t>2025-12-09</a:t>
+              <a:t>2025-12-17</a:t>
             </a:fld>
             <a:endParaRPr lang="en-US"/>
           </a:p>
@@ -1721,7 +1726,7 @@
           <a:p>
             <a:fld id="{AC6A4FEC-1FD3-4CE8-AA04-AC4B63EFA7BC}" type="datetimeFigureOut">
               <a:rPr lang="en-US" smtClean="0"/>
-              <a:t>2025-12-09</a:t>
+              <a:t>2025-12-17</a:t>
             </a:fld>
             <a:endParaRPr lang="en-US"/>
           </a:p>
@@ -1816,7 +1821,7 @@
           <a:p>
             <a:fld id="{AC6A4FEC-1FD3-4CE8-AA04-AC4B63EFA7BC}" type="datetimeFigureOut">
               <a:rPr lang="en-US" smtClean="0"/>
-              <a:t>2025-12-09</a:t>
+              <a:t>2025-12-17</a:t>
             </a:fld>
             <a:endParaRPr lang="en-US"/>
           </a:p>
@@ -2093,7 +2098,7 @@
           <a:p>
             <a:fld id="{AC6A4FEC-1FD3-4CE8-AA04-AC4B63EFA7BC}" type="datetimeFigureOut">
               <a:rPr lang="en-US" smtClean="0"/>
-              <a:t>2025-12-09</a:t>
+              <a:t>2025-12-17</a:t>
             </a:fld>
             <a:endParaRPr lang="en-US"/>
           </a:p>
@@ -2350,7 +2355,7 @@
           <a:p>
             <a:fld id="{AC6A4FEC-1FD3-4CE8-AA04-AC4B63EFA7BC}" type="datetimeFigureOut">
               <a:rPr lang="en-US" smtClean="0"/>
-              <a:t>2025-12-09</a:t>
+              <a:t>2025-12-17</a:t>
             </a:fld>
             <a:endParaRPr lang="en-US"/>
           </a:p>
@@ -2563,7 +2568,7 @@
           <a:p>
             <a:fld id="{AC6A4FEC-1FD3-4CE8-AA04-AC4B63EFA7BC}" type="datetimeFigureOut">
               <a:rPr lang="en-US" smtClean="0"/>
-              <a:t>2025-12-09</a:t>
+              <a:t>2025-12-17</a:t>
             </a:fld>
             <a:endParaRPr lang="en-US"/>
           </a:p>
@@ -2956,7 +2961,13 @@
   <p:cSld>
     <p:spTree>
       <p:nvGrpSpPr>
-        <p:cNvPr id="1" name=""/>
+        <p:cNvPr id="1" name="">
+          <a:extLst>
+            <a:ext uri="{FF2B5EF4-FFF2-40B4-BE49-F238E27FC236}">
+              <a16:creationId xmlns:a16="http://schemas.microsoft.com/office/drawing/2014/main" id="{F0331C66-A229-D88E-1FC9-FDA9ED56B4A0}"/>
+            </a:ext>
+          </a:extLst>
+        </p:cNvPr>
         <p:cNvGrpSpPr/>
         <p:nvPr/>
       </p:nvGrpSpPr>
@@ -2973,7 +2984,7 @@
           <p:cNvPr id="37" name="Picture 36">
             <a:extLst>
               <a:ext uri="{FF2B5EF4-FFF2-40B4-BE49-F238E27FC236}">
-                <a16:creationId xmlns:a16="http://schemas.microsoft.com/office/drawing/2014/main" id="{344E9C55-A693-2BE5-E04E-6701277DA73E}"/>
+                <a16:creationId xmlns:a16="http://schemas.microsoft.com/office/drawing/2014/main" id="{8FF51ED9-0E0A-5714-E251-8420EACDD1B2}"/>
               </a:ext>
             </a:extLst>
           </p:cNvPr>
@@ -2995,8 +3006,8 @@
         </p:blipFill>
         <p:spPr>
           <a:xfrm>
-            <a:off x="247649" y="441635"/>
-            <a:ext cx="22364701" cy="11918329"/>
+            <a:off x="318217" y="441635"/>
+            <a:ext cx="22223564" cy="11918329"/>
           </a:xfrm>
           <a:prstGeom prst="rect">
             <a:avLst/>
@@ -3005,10 +3016,10 @@
       </p:pic>
       <p:sp>
         <p:nvSpPr>
-          <p:cNvPr id="6" name="Rectangle 5">
+          <p:cNvPr id="11" name="Rectangle 10">
             <a:extLst>
               <a:ext uri="{FF2B5EF4-FFF2-40B4-BE49-F238E27FC236}">
-                <a16:creationId xmlns:a16="http://schemas.microsoft.com/office/drawing/2014/main" id="{390EFA72-A857-310D-68B2-B0FFDF6FC514}"/>
+                <a16:creationId xmlns:a16="http://schemas.microsoft.com/office/drawing/2014/main" id="{7581E474-3C3C-B4B3-ABD0-B3FDF624DF95}"/>
               </a:ext>
             </a:extLst>
           </p:cNvPr>
@@ -3017,8 +3028,8 @@
         </p:nvSpPr>
         <p:spPr>
           <a:xfrm>
-            <a:off x="370107" y="1432832"/>
-            <a:ext cx="2716065" cy="701184"/>
+            <a:off x="578344" y="2720237"/>
+            <a:ext cx="4321318" cy="1676521"/>
           </a:xfrm>
           <a:prstGeom prst="rect">
             <a:avLst/>
@@ -3051,16 +3062,16 @@
           <a:lstStyle/>
           <a:p>
             <a:pPr algn="ctr"/>
-            <a:endParaRPr lang="en-US" sz="4400"/>
-          </a:p>
-        </p:txBody>
-      </p:sp>
-      <p:sp>
-        <p:nvSpPr>
-          <p:cNvPr id="11" name="Rectangle 10">
+            <a:endParaRPr lang="en-US" sz="4000"/>
+          </a:p>
+        </p:txBody>
+      </p:sp>
+      <p:sp>
+        <p:nvSpPr>
+          <p:cNvPr id="13" name="Rectangle 12">
             <a:extLst>
               <a:ext uri="{FF2B5EF4-FFF2-40B4-BE49-F238E27FC236}">
-                <a16:creationId xmlns:a16="http://schemas.microsoft.com/office/drawing/2014/main" id="{53DBD952-35F0-2BA9-3329-B00B75D0B048}"/>
+                <a16:creationId xmlns:a16="http://schemas.microsoft.com/office/drawing/2014/main" id="{F3F10F2F-9703-A9F8-DC21-9A578CCBED69}"/>
               </a:ext>
             </a:extLst>
           </p:cNvPr>
@@ -3069,8 +3080,8 @@
         </p:nvSpPr>
         <p:spPr>
           <a:xfrm>
-            <a:off x="401189" y="2591459"/>
-            <a:ext cx="2716065" cy="880667"/>
+            <a:off x="578344" y="5058851"/>
+            <a:ext cx="4166036" cy="513681"/>
           </a:xfrm>
           <a:prstGeom prst="rect">
             <a:avLst/>
@@ -3109,10 +3120,10 @@
       </p:sp>
       <p:sp>
         <p:nvSpPr>
-          <p:cNvPr id="13" name="Rectangle 12">
+          <p:cNvPr id="15" name="Rectangle 14">
             <a:extLst>
               <a:ext uri="{FF2B5EF4-FFF2-40B4-BE49-F238E27FC236}">
-                <a16:creationId xmlns:a16="http://schemas.microsoft.com/office/drawing/2014/main" id="{46D322DC-B8DD-250E-DF43-38A33344E296}"/>
+                <a16:creationId xmlns:a16="http://schemas.microsoft.com/office/drawing/2014/main" id="{F93E21D0-4311-93A2-BCF9-96EA89D10E37}"/>
               </a:ext>
             </a:extLst>
           </p:cNvPr>
@@ -3121,8 +3132,8 @@
         </p:nvSpPr>
         <p:spPr>
           <a:xfrm>
-            <a:off x="390512" y="3889809"/>
-            <a:ext cx="2716065" cy="372281"/>
+            <a:off x="578344" y="6178248"/>
+            <a:ext cx="4166035" cy="1603115"/>
           </a:xfrm>
           <a:prstGeom prst="rect">
             <a:avLst/>
@@ -3155,16 +3166,16 @@
           <a:lstStyle/>
           <a:p>
             <a:pPr algn="ctr"/>
-            <a:endParaRPr lang="en-US" sz="4000"/>
-          </a:p>
-        </p:txBody>
-      </p:sp>
-      <p:sp>
-        <p:nvSpPr>
-          <p:cNvPr id="15" name="Rectangle 14">
+            <a:endParaRPr lang="en-US" sz="4400"/>
+          </a:p>
+        </p:txBody>
+      </p:sp>
+      <p:sp>
+        <p:nvSpPr>
+          <p:cNvPr id="20" name="Rectangle 19">
             <a:extLst>
               <a:ext uri="{FF2B5EF4-FFF2-40B4-BE49-F238E27FC236}">
-                <a16:creationId xmlns:a16="http://schemas.microsoft.com/office/drawing/2014/main" id="{0E97013B-FAB9-1D2C-ECA2-F601CAC5EF8B}"/>
+                <a16:creationId xmlns:a16="http://schemas.microsoft.com/office/drawing/2014/main" id="{77DA0D0C-8BEC-E5BB-0087-F42CBB22AA38}"/>
               </a:ext>
             </a:extLst>
           </p:cNvPr>
@@ -3173,8 +3184,8 @@
         </p:nvSpPr>
         <p:spPr>
           <a:xfrm>
-            <a:off x="375476" y="4650393"/>
-            <a:ext cx="2716065" cy="960258"/>
+            <a:off x="1104753" y="8060439"/>
+            <a:ext cx="3143156" cy="261154"/>
           </a:xfrm>
           <a:prstGeom prst="rect">
             <a:avLst/>
@@ -3213,10 +3224,10 @@
       </p:sp>
       <p:sp>
         <p:nvSpPr>
-          <p:cNvPr id="20" name="Rectangle 19">
+          <p:cNvPr id="24" name="Rectangle 23">
             <a:extLst>
               <a:ext uri="{FF2B5EF4-FFF2-40B4-BE49-F238E27FC236}">
-                <a16:creationId xmlns:a16="http://schemas.microsoft.com/office/drawing/2014/main" id="{0EEBE01A-C296-2B1E-BAA7-10F963096BD2}"/>
+                <a16:creationId xmlns:a16="http://schemas.microsoft.com/office/drawing/2014/main" id="{B22C99D0-2B8F-DEBD-EADC-A17E6E00FABF}"/>
               </a:ext>
             </a:extLst>
           </p:cNvPr>
@@ -3225,8 +3236,8 @@
         </p:nvSpPr>
         <p:spPr>
           <a:xfrm>
-            <a:off x="375548" y="5683794"/>
-            <a:ext cx="2716065" cy="261154"/>
+            <a:off x="578344" y="8742903"/>
+            <a:ext cx="4321317" cy="463362"/>
           </a:xfrm>
           <a:prstGeom prst="rect">
             <a:avLst/>
@@ -3265,10 +3276,10 @@
       </p:sp>
       <p:sp>
         <p:nvSpPr>
-          <p:cNvPr id="22" name="Rectangle 21">
+          <p:cNvPr id="28" name="Rectangle 27">
             <a:extLst>
               <a:ext uri="{FF2B5EF4-FFF2-40B4-BE49-F238E27FC236}">
-                <a16:creationId xmlns:a16="http://schemas.microsoft.com/office/drawing/2014/main" id="{15BCCE1D-3914-420D-3A56-7A729EE86DFD}"/>
+                <a16:creationId xmlns:a16="http://schemas.microsoft.com/office/drawing/2014/main" id="{5E94F0C1-7361-66AC-8FA7-121E74118473}"/>
               </a:ext>
             </a:extLst>
           </p:cNvPr>
@@ -3277,8 +3288,8 @@
         </p:nvSpPr>
         <p:spPr>
           <a:xfrm>
-            <a:off x="375546" y="6195988"/>
-            <a:ext cx="2716065" cy="261154"/>
+            <a:off x="578343" y="11447362"/>
+            <a:ext cx="4198571" cy="513681"/>
           </a:xfrm>
           <a:prstGeom prst="rect">
             <a:avLst/>
@@ -3317,10 +3328,10 @@
       </p:sp>
       <p:sp>
         <p:nvSpPr>
-          <p:cNvPr id="24" name="Rectangle 23">
+          <p:cNvPr id="32" name="Rectangle 31">
             <a:extLst>
               <a:ext uri="{FF2B5EF4-FFF2-40B4-BE49-F238E27FC236}">
-                <a16:creationId xmlns:a16="http://schemas.microsoft.com/office/drawing/2014/main" id="{7832CCD4-1579-5D65-F0BB-57B2191B8C3A}"/>
+                <a16:creationId xmlns:a16="http://schemas.microsoft.com/office/drawing/2014/main" id="{5E401BE8-6C89-5248-16CB-F8C033D41CF5}"/>
               </a:ext>
             </a:extLst>
           </p:cNvPr>
@@ -3329,8 +3340,8 @@
         </p:nvSpPr>
         <p:spPr>
           <a:xfrm>
-            <a:off x="375548" y="6568466"/>
-            <a:ext cx="2716065" cy="261154"/>
+            <a:off x="6849034" y="901009"/>
+            <a:ext cx="14074589" cy="6539698"/>
           </a:xfrm>
           <a:prstGeom prst="rect">
             <a:avLst/>
@@ -3369,10 +3380,10 @@
       </p:sp>
       <p:sp>
         <p:nvSpPr>
-          <p:cNvPr id="28" name="Rectangle 27">
+          <p:cNvPr id="35" name="Rectangle 34">
             <a:extLst>
               <a:ext uri="{FF2B5EF4-FFF2-40B4-BE49-F238E27FC236}">
-                <a16:creationId xmlns:a16="http://schemas.microsoft.com/office/drawing/2014/main" id="{656ED8D1-835D-FD67-363D-94C7618777F4}"/>
+                <a16:creationId xmlns:a16="http://schemas.microsoft.com/office/drawing/2014/main" id="{CA9C7A4E-89E1-4FD3-DAB9-1BE66D46C30E}"/>
               </a:ext>
             </a:extLst>
           </p:cNvPr>
@@ -3381,8 +3392,8 @@
         </p:nvSpPr>
         <p:spPr>
           <a:xfrm>
-            <a:off x="3395448" y="10951734"/>
-            <a:ext cx="19123654" cy="1352362"/>
+            <a:off x="5934635" y="7781364"/>
+            <a:ext cx="15580660" cy="4578600"/>
           </a:xfrm>
           <a:prstGeom prst="rect">
             <a:avLst/>
@@ -3421,114 +3432,10 @@
       </p:sp>
       <p:sp>
         <p:nvSpPr>
-          <p:cNvPr id="32" name="Rectangle 31">
+          <p:cNvPr id="12" name="TextBox 11">
             <a:extLst>
               <a:ext uri="{FF2B5EF4-FFF2-40B4-BE49-F238E27FC236}">
-                <a16:creationId xmlns:a16="http://schemas.microsoft.com/office/drawing/2014/main" id="{D9F36744-A394-4DD5-3023-54246F1FF32E}"/>
-              </a:ext>
-            </a:extLst>
-          </p:cNvPr>
-          <p:cNvSpPr/>
-          <p:nvPr/>
-        </p:nvSpPr>
-        <p:spPr>
-          <a:xfrm>
-            <a:off x="3689960" y="1561678"/>
-            <a:ext cx="14197815" cy="8478349"/>
-          </a:xfrm>
-          <a:prstGeom prst="rect">
-            <a:avLst/>
-          </a:prstGeom>
-          <a:noFill/>
-          <a:ln w="28575">
-            <a:solidFill>
-              <a:srgbClr val="FF0000"/>
-            </a:solidFill>
-          </a:ln>
-        </p:spPr>
-        <p:style>
-          <a:lnRef idx="2">
-            <a:schemeClr val="accent1">
-              <a:shade val="15000"/>
-            </a:schemeClr>
-          </a:lnRef>
-          <a:fillRef idx="1">
-            <a:schemeClr val="accent1"/>
-          </a:fillRef>
-          <a:effectRef idx="0">
-            <a:schemeClr val="accent1"/>
-          </a:effectRef>
-          <a:fontRef idx="minor">
-            <a:schemeClr val="lt1"/>
-          </a:fontRef>
-        </p:style>
-        <p:txBody>
-          <a:bodyPr rtlCol="0" anchor="ctr"/>
-          <a:lstStyle/>
-          <a:p>
-            <a:pPr algn="ctr"/>
-            <a:endParaRPr lang="en-US" sz="4400"/>
-          </a:p>
-        </p:txBody>
-      </p:sp>
-      <p:sp>
-        <p:nvSpPr>
-          <p:cNvPr id="35" name="Rectangle 34">
-            <a:extLst>
-              <a:ext uri="{FF2B5EF4-FFF2-40B4-BE49-F238E27FC236}">
-                <a16:creationId xmlns:a16="http://schemas.microsoft.com/office/drawing/2014/main" id="{5A641BEB-FCD9-4896-0AD3-B32D55C3ACD1}"/>
-              </a:ext>
-            </a:extLst>
-          </p:cNvPr>
-          <p:cNvSpPr/>
-          <p:nvPr/>
-        </p:nvSpPr>
-        <p:spPr>
-          <a:xfrm>
-            <a:off x="18573296" y="935701"/>
-            <a:ext cx="3214543" cy="9759233"/>
-          </a:xfrm>
-          <a:prstGeom prst="rect">
-            <a:avLst/>
-          </a:prstGeom>
-          <a:noFill/>
-          <a:ln w="28575">
-            <a:solidFill>
-              <a:srgbClr val="FF0000"/>
-            </a:solidFill>
-          </a:ln>
-        </p:spPr>
-        <p:style>
-          <a:lnRef idx="2">
-            <a:schemeClr val="accent1">
-              <a:shade val="15000"/>
-            </a:schemeClr>
-          </a:lnRef>
-          <a:fillRef idx="1">
-            <a:schemeClr val="accent1"/>
-          </a:fillRef>
-          <a:effectRef idx="0">
-            <a:schemeClr val="accent1"/>
-          </a:effectRef>
-          <a:fontRef idx="minor">
-            <a:schemeClr val="lt1"/>
-          </a:fontRef>
-        </p:style>
-        <p:txBody>
-          <a:bodyPr rtlCol="0" anchor="ctr"/>
-          <a:lstStyle/>
-          <a:p>
-            <a:pPr algn="ctr"/>
-            <a:endParaRPr lang="en-US" sz="4400"/>
-          </a:p>
-        </p:txBody>
-      </p:sp>
-      <p:sp>
-        <p:nvSpPr>
-          <p:cNvPr id="7" name="TextBox 6">
-            <a:extLst>
-              <a:ext uri="{FF2B5EF4-FFF2-40B4-BE49-F238E27FC236}">
-                <a16:creationId xmlns:a16="http://schemas.microsoft.com/office/drawing/2014/main" id="{A635CF9A-E5AB-97BC-1789-737AF4C31274}"/>
+                <a16:creationId xmlns:a16="http://schemas.microsoft.com/office/drawing/2014/main" id="{C319A718-2970-5A02-CA52-7DB5E54771EA}"/>
               </a:ext>
             </a:extLst>
           </p:cNvPr>
@@ -3537,50 +3444,7 @@
         </p:nvSpPr>
         <p:spPr>
           <a:xfrm>
-            <a:off x="370105" y="935702"/>
-            <a:ext cx="2716065" cy="400110"/>
-          </a:xfrm>
-          <a:prstGeom prst="rect">
-            <a:avLst/>
-          </a:prstGeom>
-          <a:noFill/>
-        </p:spPr>
-        <p:txBody>
-          <a:bodyPr wrap="square" rtlCol="0">
-            <a:spAutoFit/>
-          </a:bodyPr>
-          <a:lstStyle/>
-          <a:p>
-            <a:pPr algn="ctr"/>
-            <a:r>
-              <a:rPr lang="en-US" sz="2000" b="1" dirty="0">
-                <a:solidFill>
-                  <a:srgbClr val="C00000"/>
-                </a:solidFill>
-                <a:highlight>
-                  <a:srgbClr val="FFFF00"/>
-                </a:highlight>
-              </a:rPr>
-              <a:t>Registration</a:t>
-            </a:r>
-          </a:p>
-        </p:txBody>
-      </p:sp>
-      <p:sp>
-        <p:nvSpPr>
-          <p:cNvPr id="12" name="TextBox 11">
-            <a:extLst>
-              <a:ext uri="{FF2B5EF4-FFF2-40B4-BE49-F238E27FC236}">
-                <a16:creationId xmlns:a16="http://schemas.microsoft.com/office/drawing/2014/main" id="{2017188E-D662-65AF-5DC2-019C620E0F59}"/>
-              </a:ext>
-            </a:extLst>
-          </p:cNvPr>
-          <p:cNvSpPr txBox="1"/>
-          <p:nvPr/>
-        </p:nvSpPr>
-        <p:spPr>
-          <a:xfrm>
-            <a:off x="401191" y="2151312"/>
+            <a:off x="1400789" y="2311905"/>
             <a:ext cx="2716063" cy="369332"/>
           </a:xfrm>
           <a:prstGeom prst="rect">
@@ -3614,7 +3478,7 @@
           <p:cNvPr id="14" name="TextBox 13">
             <a:extLst>
               <a:ext uri="{FF2B5EF4-FFF2-40B4-BE49-F238E27FC236}">
-                <a16:creationId xmlns:a16="http://schemas.microsoft.com/office/drawing/2014/main" id="{A814F564-6E89-BEB1-63F3-496B34BA7C0E}"/>
+                <a16:creationId xmlns:a16="http://schemas.microsoft.com/office/drawing/2014/main" id="{D6B5C3A3-6AEA-C4B4-B1B8-01C9CF9447A5}"/>
               </a:ext>
             </a:extLst>
           </p:cNvPr>
@@ -3623,7 +3487,7 @@
         </p:nvSpPr>
         <p:spPr>
           <a:xfrm>
-            <a:off x="401188" y="3560237"/>
+            <a:off x="1380970" y="4624208"/>
             <a:ext cx="2716065" cy="369332"/>
           </a:xfrm>
           <a:prstGeom prst="rect">
@@ -3657,7 +3521,7 @@
           <p:cNvPr id="16" name="TextBox 15">
             <a:extLst>
               <a:ext uri="{FF2B5EF4-FFF2-40B4-BE49-F238E27FC236}">
-                <a16:creationId xmlns:a16="http://schemas.microsoft.com/office/drawing/2014/main" id="{F149AA82-CECB-620A-4C34-8E6A4DE32724}"/>
+                <a16:creationId xmlns:a16="http://schemas.microsoft.com/office/drawing/2014/main" id="{3B7E1A2B-7FFB-2B1C-E31E-96C208C98C21}"/>
               </a:ext>
             </a:extLst>
           </p:cNvPr>
@@ -3666,7 +3530,7 @@
         </p:nvSpPr>
         <p:spPr>
           <a:xfrm>
-            <a:off x="390511" y="4270426"/>
+            <a:off x="1223888" y="5798282"/>
             <a:ext cx="2716065" cy="369332"/>
           </a:xfrm>
           <a:prstGeom prst="rect">
@@ -3700,7 +3564,7 @@
           <p:cNvPr id="21" name="TextBox 20">
             <a:extLst>
               <a:ext uri="{FF2B5EF4-FFF2-40B4-BE49-F238E27FC236}">
-                <a16:creationId xmlns:a16="http://schemas.microsoft.com/office/drawing/2014/main" id="{270E650E-24C4-DCCA-B7DD-23B8BEAF656A}"/>
+                <a16:creationId xmlns:a16="http://schemas.microsoft.com/office/drawing/2014/main" id="{F6792E64-5A1C-63B6-570F-390EE8A940FC}"/>
               </a:ext>
             </a:extLst>
           </p:cNvPr>
@@ -3709,7 +3573,7 @@
         </p:nvSpPr>
         <p:spPr>
           <a:xfrm>
-            <a:off x="3080639" y="5596285"/>
+            <a:off x="4411727" y="7963127"/>
             <a:ext cx="2228816" cy="400110"/>
           </a:xfrm>
           <a:prstGeom prst="rect">
@@ -3739,10 +3603,10 @@
       </p:sp>
       <p:sp>
         <p:nvSpPr>
-          <p:cNvPr id="23" name="TextBox 22">
+          <p:cNvPr id="25" name="TextBox 24">
             <a:extLst>
               <a:ext uri="{FF2B5EF4-FFF2-40B4-BE49-F238E27FC236}">
-                <a16:creationId xmlns:a16="http://schemas.microsoft.com/office/drawing/2014/main" id="{3592012B-90E1-D7BD-904F-7EDAC2DE6630}"/>
+                <a16:creationId xmlns:a16="http://schemas.microsoft.com/office/drawing/2014/main" id="{CFD48568-CC3D-B207-F52B-B5CE2060AB8A}"/>
               </a:ext>
             </a:extLst>
           </p:cNvPr>
@@ -3751,49 +3615,7 @@
         </p:nvSpPr>
         <p:spPr>
           <a:xfrm>
-            <a:off x="3080637" y="6090356"/>
-            <a:ext cx="1819025" cy="400110"/>
-          </a:xfrm>
-          <a:prstGeom prst="rect">
-            <a:avLst/>
-          </a:prstGeom>
-          <a:noFill/>
-        </p:spPr>
-        <p:txBody>
-          <a:bodyPr wrap="none" rtlCol="0">
-            <a:spAutoFit/>
-          </a:bodyPr>
-          <a:lstStyle/>
-          <a:p>
-            <a:r>
-              <a:rPr lang="en-US" sz="2000" b="1" dirty="0">
-                <a:solidFill>
-                  <a:srgbClr val="C00000"/>
-                </a:solidFill>
-                <a:highlight>
-                  <a:srgbClr val="FFFF00"/>
-                </a:highlight>
-              </a:rPr>
-              <a:t>Visualize MPR</a:t>
-            </a:r>
-          </a:p>
-        </p:txBody>
-      </p:sp>
-      <p:sp>
-        <p:nvSpPr>
-          <p:cNvPr id="25" name="TextBox 24">
-            <a:extLst>
-              <a:ext uri="{FF2B5EF4-FFF2-40B4-BE49-F238E27FC236}">
-                <a16:creationId xmlns:a16="http://schemas.microsoft.com/office/drawing/2014/main" id="{A08331CF-75CB-4A9D-A413-9788D560523C}"/>
-              </a:ext>
-            </a:extLst>
-          </p:cNvPr>
-          <p:cNvSpPr txBox="1"/>
-          <p:nvPr/>
-        </p:nvSpPr>
-        <p:spPr>
-          <a:xfrm>
-            <a:off x="3080639" y="6480958"/>
+            <a:off x="4350142" y="8715752"/>
             <a:ext cx="2072427" cy="400110"/>
           </a:xfrm>
           <a:prstGeom prst="rect">
@@ -3826,7 +3648,7 @@
           <p:cNvPr id="29" name="TextBox 28">
             <a:extLst>
               <a:ext uri="{FF2B5EF4-FFF2-40B4-BE49-F238E27FC236}">
-                <a16:creationId xmlns:a16="http://schemas.microsoft.com/office/drawing/2014/main" id="{A41C275F-2C17-F7BF-5DF5-01FE146D8FA5}"/>
+                <a16:creationId xmlns:a16="http://schemas.microsoft.com/office/drawing/2014/main" id="{1F5BA30B-BF9B-9390-D692-D2A1F27899D3}"/>
               </a:ext>
             </a:extLst>
           </p:cNvPr>
@@ -3835,7 +3657,7 @@
         </p:nvSpPr>
         <p:spPr>
           <a:xfrm>
-            <a:off x="3170898" y="10454604"/>
+            <a:off x="1858352" y="11048441"/>
             <a:ext cx="1606017" cy="400110"/>
           </a:xfrm>
           <a:prstGeom prst="rect">
@@ -3868,7 +3690,7 @@
           <p:cNvPr id="33" name="TextBox 32">
             <a:extLst>
               <a:ext uri="{FF2B5EF4-FFF2-40B4-BE49-F238E27FC236}">
-                <a16:creationId xmlns:a16="http://schemas.microsoft.com/office/drawing/2014/main" id="{68727BD7-ABC6-371A-6226-D1666686B125}"/>
+                <a16:creationId xmlns:a16="http://schemas.microsoft.com/office/drawing/2014/main" id="{F0BF312D-BDE2-9B7C-0555-7DAAF272FCD9}"/>
               </a:ext>
             </a:extLst>
           </p:cNvPr>
@@ -3877,7 +3699,7 @@
         </p:nvSpPr>
         <p:spPr>
           <a:xfrm>
-            <a:off x="7842369" y="1064549"/>
+            <a:off x="11300406" y="535591"/>
             <a:ext cx="4939237" cy="400110"/>
           </a:xfrm>
           <a:prstGeom prst="rect">
@@ -3910,7 +3732,7 @@
           <p:cNvPr id="34" name="TextBox 33">
             <a:extLst>
               <a:ext uri="{FF2B5EF4-FFF2-40B4-BE49-F238E27FC236}">
-                <a16:creationId xmlns:a16="http://schemas.microsoft.com/office/drawing/2014/main" id="{8F2E0C2F-8ED5-8C1C-FCE4-287485CE7D65}"/>
+                <a16:creationId xmlns:a16="http://schemas.microsoft.com/office/drawing/2014/main" id="{310147D0-E2CC-65ED-D144-F9014F31600D}"/>
               </a:ext>
             </a:extLst>
           </p:cNvPr>
@@ -3919,7 +3741,7 @@
         </p:nvSpPr>
         <p:spPr>
           <a:xfrm>
-            <a:off x="18573294" y="500898"/>
+            <a:off x="12145563" y="7499971"/>
             <a:ext cx="3481530" cy="400110"/>
           </a:xfrm>
           <a:prstGeom prst="rect">
@@ -3950,7 +3772,7 @@
     </p:spTree>
     <p:extLst>
       <p:ext uri="{BB962C8B-B14F-4D97-AF65-F5344CB8AC3E}">
-        <p14:creationId xmlns:p14="http://schemas.microsoft.com/office/powerpoint/2010/main" val="1002831384"/>
+        <p14:creationId xmlns:p14="http://schemas.microsoft.com/office/powerpoint/2010/main" val="209442304"/>
       </p:ext>
     </p:extLst>
   </p:cSld>
